--- a/일정 & 보고서/181221 스케줄 점검.pptx
+++ b/일정 & 보고서/181221 스케줄 점검.pptx
@@ -5,18 +5,16 @@
     <p:sldMasterId id="2147483660" r:id="rId1"/>
   </p:sldMasterIdLst>
   <p:notesMasterIdLst>
-    <p:notesMasterId r:id="rId8"/>
+    <p:notesMasterId r:id="rId6"/>
   </p:notesMasterIdLst>
   <p:handoutMasterIdLst>
-    <p:handoutMasterId r:id="rId9"/>
+    <p:handoutMasterId r:id="rId7"/>
   </p:handoutMasterIdLst>
   <p:sldIdLst>
     <p:sldId id="264" r:id="rId2"/>
     <p:sldId id="305" r:id="rId3"/>
     <p:sldId id="306" r:id="rId4"/>
     <p:sldId id="307" r:id="rId5"/>
-    <p:sldId id="308" r:id="rId6"/>
-    <p:sldId id="309" r:id="rId7"/>
   </p:sldIdLst>
   <p:sldSz cx="9144000" cy="6858000" type="screen4x3"/>
   <p:notesSz cx="6858000" cy="9144000"/>
@@ -934,129 +932,7 @@
     </p:spTree>
     <p:extLst>
       <p:ext uri="{BB962C8B-B14F-4D97-AF65-F5344CB8AC3E}">
-        <p14:creationId xmlns:p14="http://schemas.microsoft.com/office/powerpoint/2010/main" val="822514666"/>
-      </p:ext>
-    </p:extLst>
-  </p:cSld>
-  <p:clrMapOvr>
-    <a:masterClrMapping/>
-  </p:clrMapOvr>
-</p:notes>
-</file>
-
-<file path=ppt/notesSlides/notesSlide5.xml><?xml version="1.0" encoding="utf-8"?>
-<p:notes xmlns:a="http://schemas.openxmlformats.org/drawingml/2006/main" xmlns:r="http://schemas.openxmlformats.org/officeDocument/2006/relationships" xmlns:p="http://schemas.openxmlformats.org/presentationml/2006/main">
-  <p:cSld>
-    <p:spTree>
-      <p:nvGrpSpPr>
-        <p:cNvPr id="1" name=""/>
-        <p:cNvGrpSpPr/>
-        <p:nvPr/>
-      </p:nvGrpSpPr>
-      <p:grpSpPr>
-        <a:xfrm>
-          <a:off x="0" y="0"/>
-          <a:ext cx="0" cy="0"/>
-          <a:chOff x="0" y="0"/>
-          <a:chExt cx="0" cy="0"/>
-        </a:xfrm>
-      </p:grpSpPr>
-      <p:sp>
-        <p:nvSpPr>
-          <p:cNvPr id="2" name="슬라이드 이미지 개체 틀 1"/>
-          <p:cNvSpPr>
-            <a:spLocks noGrp="1" noRot="1" noChangeAspect="1"/>
-          </p:cNvSpPr>
-          <p:nvPr>
-            <p:ph type="sldImg"/>
-          </p:nvPr>
-        </p:nvSpPr>
-        <p:spPr/>
-      </p:sp>
-      <p:sp>
-        <p:nvSpPr>
-          <p:cNvPr id="3" name="슬라이드 노트 개체 틀 2"/>
-          <p:cNvSpPr>
-            <a:spLocks noGrp="1"/>
-          </p:cNvSpPr>
-          <p:nvPr>
-            <p:ph type="body" idx="1"/>
-          </p:nvPr>
-        </p:nvSpPr>
-        <p:spPr/>
-        <p:txBody>
-          <a:bodyPr/>
-          <a:lstStyle/>
-          <a:p>
-            <a:endParaRPr lang="ko-KR" altLang="en-US"/>
-          </a:p>
-        </p:txBody>
-      </p:sp>
-    </p:spTree>
-    <p:extLst>
-      <p:ext uri="{BB962C8B-B14F-4D97-AF65-F5344CB8AC3E}">
-        <p14:creationId xmlns:p14="http://schemas.microsoft.com/office/powerpoint/2010/main" val="3146232049"/>
-      </p:ext>
-    </p:extLst>
-  </p:cSld>
-  <p:clrMapOvr>
-    <a:masterClrMapping/>
-  </p:clrMapOvr>
-</p:notes>
-</file>
-
-<file path=ppt/notesSlides/notesSlide6.xml><?xml version="1.0" encoding="utf-8"?>
-<p:notes xmlns:a="http://schemas.openxmlformats.org/drawingml/2006/main" xmlns:r="http://schemas.openxmlformats.org/officeDocument/2006/relationships" xmlns:p="http://schemas.openxmlformats.org/presentationml/2006/main">
-  <p:cSld>
-    <p:spTree>
-      <p:nvGrpSpPr>
-        <p:cNvPr id="1" name=""/>
-        <p:cNvGrpSpPr/>
-        <p:nvPr/>
-      </p:nvGrpSpPr>
-      <p:grpSpPr>
-        <a:xfrm>
-          <a:off x="0" y="0"/>
-          <a:ext cx="0" cy="0"/>
-          <a:chOff x="0" y="0"/>
-          <a:chExt cx="0" cy="0"/>
-        </a:xfrm>
-      </p:grpSpPr>
-      <p:sp>
-        <p:nvSpPr>
-          <p:cNvPr id="2" name="슬라이드 이미지 개체 틀 1"/>
-          <p:cNvSpPr>
-            <a:spLocks noGrp="1" noRot="1" noChangeAspect="1"/>
-          </p:cNvSpPr>
-          <p:nvPr>
-            <p:ph type="sldImg"/>
-          </p:nvPr>
-        </p:nvSpPr>
-        <p:spPr/>
-      </p:sp>
-      <p:sp>
-        <p:nvSpPr>
-          <p:cNvPr id="3" name="슬라이드 노트 개체 틀 2"/>
-          <p:cNvSpPr>
-            <a:spLocks noGrp="1"/>
-          </p:cNvSpPr>
-          <p:nvPr>
-            <p:ph type="body" idx="1"/>
-          </p:nvPr>
-        </p:nvSpPr>
-        <p:spPr/>
-        <p:txBody>
-          <a:bodyPr/>
-          <a:lstStyle/>
-          <a:p>
-            <a:endParaRPr lang="ko-KR" altLang="en-US"/>
-          </a:p>
-        </p:txBody>
-      </p:sp>
-    </p:spTree>
-    <p:extLst>
-      <p:ext uri="{BB962C8B-B14F-4D97-AF65-F5344CB8AC3E}">
-        <p14:creationId xmlns:p14="http://schemas.microsoft.com/office/powerpoint/2010/main" val="2726275765"/>
+        <p14:creationId xmlns:p14="http://schemas.microsoft.com/office/powerpoint/2010/main" val="4181809370"/>
       </p:ext>
     </p:extLst>
   </p:cSld>
@@ -2885,8 +2761,8 @@
           <a:p>
             <a:pPr algn="r"/>
             <a:r>
-              <a:rPr lang="en-US" altLang="ko-KR" sz="1400" dirty="0" smtClean="0"/>
-              <a:t>2013722094 </a:t>
+              <a:rPr lang="en-US" altLang="ko-KR" sz="1400" dirty="0"/>
+              <a:t>2014722050 </a:t>
             </a:r>
             <a:r>
               <a:rPr lang="ko-KR" altLang="en-US" sz="1400" dirty="0" err="1" smtClean="0"/>
@@ -3164,14 +3040,120 @@
         </p:blipFill>
         <p:spPr>
           <a:xfrm>
-            <a:off x="395536" y="2132856"/>
-            <a:ext cx="8352928" cy="2808255"/>
+            <a:off x="431286" y="1556792"/>
+            <a:ext cx="8352928" cy="2628235"/>
           </a:xfrm>
           <a:prstGeom prst="rect">
             <a:avLst/>
           </a:prstGeom>
         </p:spPr>
       </p:pic>
+      <p:sp>
+        <p:nvSpPr>
+          <p:cNvPr id="5" name="TextBox 4"/>
+          <p:cNvSpPr txBox="1"/>
+          <p:nvPr/>
+        </p:nvSpPr>
+        <p:spPr>
+          <a:xfrm>
+            <a:off x="427305" y="4653136"/>
+            <a:ext cx="4886274" cy="1477328"/>
+          </a:xfrm>
+          <a:prstGeom prst="rect">
+            <a:avLst/>
+          </a:prstGeom>
+          <a:noFill/>
+        </p:spPr>
+        <p:txBody>
+          <a:bodyPr wrap="none" rtlCol="0">
+            <a:spAutoFit/>
+          </a:bodyPr>
+          <a:lstStyle/>
+          <a:p>
+            <a:pPr marL="285750" indent="-285750">
+              <a:buFontTx/>
+              <a:buChar char="-"/>
+            </a:pPr>
+            <a:r>
+              <a:rPr lang="en-US" altLang="ko-KR" dirty="0" smtClean="0"/>
+              <a:t>12</a:t>
+            </a:r>
+            <a:r>
+              <a:rPr lang="ko-KR" altLang="en-US" dirty="0" smtClean="0"/>
+              <a:t>월 </a:t>
+            </a:r>
+            <a:r>
+              <a:rPr lang="en-US" altLang="ko-KR" dirty="0" smtClean="0"/>
+              <a:t>~ 3</a:t>
+            </a:r>
+            <a:r>
+              <a:rPr lang="ko-KR" altLang="en-US" dirty="0" smtClean="0"/>
+              <a:t>월을 </a:t>
+            </a:r>
+            <a:r>
+              <a:rPr lang="ko-KR" altLang="en-US" dirty="0" err="1" smtClean="0"/>
+              <a:t>기반지식을</a:t>
+            </a:r>
+            <a:r>
+              <a:rPr lang="ko-KR" altLang="en-US" dirty="0" smtClean="0"/>
+              <a:t> 학습하는데 사용</a:t>
+            </a:r>
+            <a:endParaRPr lang="en-US" altLang="ko-KR" dirty="0" smtClean="0"/>
+          </a:p>
+          <a:p>
+            <a:pPr marL="285750" indent="-285750">
+              <a:buFontTx/>
+              <a:buChar char="-"/>
+            </a:pPr>
+            <a:endParaRPr lang="en-US" altLang="ko-KR" dirty="0"/>
+          </a:p>
+          <a:p>
+            <a:pPr marL="285750" indent="-285750">
+              <a:buFontTx/>
+              <a:buChar char="-"/>
+            </a:pPr>
+            <a:r>
+              <a:rPr lang="ko-KR" altLang="en-US" dirty="0" err="1" smtClean="0"/>
+              <a:t>머신러닝</a:t>
+            </a:r>
+            <a:r>
+              <a:rPr lang="ko-KR" altLang="en-US" dirty="0" smtClean="0"/>
+              <a:t> </a:t>
+            </a:r>
+            <a:r>
+              <a:rPr lang="en-US" altLang="ko-KR" dirty="0" smtClean="0"/>
+              <a:t>/</a:t>
+            </a:r>
+            <a:r>
+              <a:rPr lang="ko-KR" altLang="en-US" dirty="0"/>
+              <a:t> </a:t>
+            </a:r>
+            <a:r>
+              <a:rPr lang="en-US" altLang="ko-KR" dirty="0" err="1" smtClean="0"/>
+              <a:t>PyTorch</a:t>
+            </a:r>
+            <a:endParaRPr lang="en-US" altLang="ko-KR" dirty="0"/>
+          </a:p>
+          <a:p>
+            <a:pPr marL="285750" indent="-285750">
+              <a:buFontTx/>
+              <a:buChar char="-"/>
+            </a:pPr>
+            <a:endParaRPr lang="en-US" altLang="ko-KR" dirty="0" smtClean="0"/>
+          </a:p>
+          <a:p>
+            <a:pPr marL="285750" indent="-285750">
+              <a:buFontTx/>
+              <a:buChar char="-"/>
+            </a:pPr>
+            <a:r>
+              <a:rPr lang="ko-KR" altLang="en-US" dirty="0" smtClean="0"/>
+              <a:t>프로젝트 관련 논문 조사 병행</a:t>
+            </a:r>
+            <a:endParaRPr lang="en-US" altLang="ko-KR" dirty="0" smtClean="0"/>
+          </a:p>
+        </p:txBody>
+      </p:sp>
     </p:spTree>
     <p:extLst>
       <p:ext uri="{BB962C8B-B14F-4D97-AF65-F5344CB8AC3E}">
@@ -3263,7 +3245,18 @@
                 </a:blipFill>
                 <a:latin typeface="+mn-ea"/>
               </a:rPr>
-              <a:t> 및 계획 요약</a:t>
+              <a:t> 및 </a:t>
+            </a:r>
+            <a:r>
+              <a:rPr lang="ko-KR" altLang="en-US" sz="3200" b="1" spc="-50" dirty="0" smtClean="0">
+                <a:blipFill dpi="0" rotWithShape="1">
+                  <a:blip r:embed="rId3"/>
+                  <a:srcRect/>
+                  <a:tile tx="0" ty="0" sx="20000" sy="20000" flip="none" algn="tl"/>
+                </a:blipFill>
+                <a:latin typeface="+mn-ea"/>
+              </a:rPr>
+              <a:t>계획</a:t>
             </a:r>
             <a:endParaRPr lang="en-US" altLang="ko-KR" sz="3200" b="1" spc="-50" dirty="0">
               <a:blipFill dpi="0" rotWithShape="1">
@@ -3300,7 +3293,7 @@
           <a:p>
             <a:pPr algn="r"/>
             <a:r>
-              <a:rPr lang="en-US" altLang="ko-KR" dirty="0" smtClean="0">
+              <a:rPr lang="en-US" altLang="ko-KR" dirty="0">
                 <a:solidFill>
                   <a:schemeClr val="tx1">
                     <a:lumMod val="65000"/>
@@ -3308,7 +3301,7 @@
                   </a:schemeClr>
                 </a:solidFill>
               </a:rPr>
-              <a:t>2</a:t>
+              <a:t>3</a:t>
             </a:r>
             <a:endParaRPr lang="ko-KR" altLang="en-US" dirty="0">
               <a:solidFill>
@@ -3316,6 +3309,296 @@
                   <a:lumMod val="65000"/>
                   <a:lumOff val="35000"/>
                 </a:schemeClr>
+              </a:solidFill>
+            </a:endParaRPr>
+          </a:p>
+        </p:txBody>
+      </p:sp>
+      <p:pic>
+        <p:nvPicPr>
+          <p:cNvPr id="2" name="그림 1"/>
+          <p:cNvPicPr>
+            <a:picLocks noChangeAspect="1"/>
+          </p:cNvPicPr>
+          <p:nvPr/>
+        </p:nvPicPr>
+        <p:blipFill>
+          <a:blip r:embed="rId4">
+            <a:extLst>
+              <a:ext uri="{28A0092B-C50C-407E-A947-70E740481C1C}">
+                <a14:useLocalDpi xmlns:a14="http://schemas.microsoft.com/office/drawing/2010/main" val="0"/>
+              </a:ext>
+            </a:extLst>
+          </a:blip>
+          <a:stretch>
+            <a:fillRect/>
+          </a:stretch>
+        </p:blipFill>
+        <p:spPr>
+          <a:xfrm>
+            <a:off x="503548" y="1628800"/>
+            <a:ext cx="3392884" cy="4351374"/>
+          </a:xfrm>
+          <a:prstGeom prst="rect">
+            <a:avLst/>
+          </a:prstGeom>
+        </p:spPr>
+      </p:pic>
+      <p:sp>
+        <p:nvSpPr>
+          <p:cNvPr id="3" name="TextBox 2"/>
+          <p:cNvSpPr txBox="1"/>
+          <p:nvPr/>
+        </p:nvSpPr>
+        <p:spPr>
+          <a:xfrm>
+            <a:off x="4575392" y="1633964"/>
+            <a:ext cx="3441968" cy="400110"/>
+          </a:xfrm>
+          <a:prstGeom prst="rect">
+            <a:avLst/>
+          </a:prstGeom>
+          <a:noFill/>
+        </p:spPr>
+        <p:txBody>
+          <a:bodyPr wrap="none" rtlCol="0">
+            <a:spAutoFit/>
+          </a:bodyPr>
+          <a:lstStyle/>
+          <a:p>
+            <a:r>
+              <a:rPr lang="ko-KR" altLang="en-US" sz="2000" b="1" dirty="0" smtClean="0"/>
+              <a:t>밑바닥부터 시작하는 </a:t>
+            </a:r>
+            <a:r>
+              <a:rPr lang="ko-KR" altLang="en-US" sz="2000" b="1" dirty="0" err="1" smtClean="0"/>
+              <a:t>딥러닝</a:t>
+            </a:r>
+            <a:endParaRPr lang="ko-KR" altLang="en-US" sz="2000" b="1" dirty="0"/>
+          </a:p>
+        </p:txBody>
+      </p:sp>
+      <p:sp>
+        <p:nvSpPr>
+          <p:cNvPr id="4" name="직사각형 3"/>
+          <p:cNvSpPr/>
+          <p:nvPr/>
+        </p:nvSpPr>
+        <p:spPr>
+          <a:xfrm>
+            <a:off x="4575392" y="2384884"/>
+            <a:ext cx="3960440" cy="3456384"/>
+          </a:xfrm>
+          <a:prstGeom prst="rect">
+            <a:avLst/>
+          </a:prstGeom>
+          <a:solidFill>
+            <a:schemeClr val="bg1"/>
+          </a:solidFill>
+        </p:spPr>
+        <p:style>
+          <a:lnRef idx="2">
+            <a:schemeClr val="accent1">
+              <a:shade val="50000"/>
+            </a:schemeClr>
+          </a:lnRef>
+          <a:fillRef idx="1">
+            <a:schemeClr val="accent1"/>
+          </a:fillRef>
+          <a:effectRef idx="0">
+            <a:schemeClr val="accent1"/>
+          </a:effectRef>
+          <a:fontRef idx="minor">
+            <a:schemeClr val="lt1"/>
+          </a:fontRef>
+        </p:style>
+        <p:txBody>
+          <a:bodyPr rtlCol="0" anchor="ctr"/>
+          <a:lstStyle/>
+          <a:p>
+            <a:r>
+              <a:rPr lang="ko-KR" altLang="en-US" dirty="0">
+                <a:solidFill>
+                  <a:schemeClr val="tx1"/>
+                </a:solidFill>
+              </a:rPr>
+              <a:t>소요기간 </a:t>
+            </a:r>
+            <a:r>
+              <a:rPr lang="en-US" altLang="ko-KR" dirty="0">
+                <a:solidFill>
+                  <a:schemeClr val="tx1"/>
+                </a:solidFill>
+              </a:rPr>
+              <a:t>: </a:t>
+            </a:r>
+            <a:r>
+              <a:rPr lang="ko-KR" altLang="en-US" dirty="0">
+                <a:solidFill>
+                  <a:schemeClr val="tx1"/>
+                </a:solidFill>
+              </a:rPr>
+              <a:t>한달</a:t>
+            </a:r>
+          </a:p>
+          <a:p>
+            <a:endParaRPr lang="en-US" altLang="ko-KR" dirty="0">
+              <a:solidFill>
+                <a:schemeClr val="tx1"/>
+              </a:solidFill>
+            </a:endParaRPr>
+          </a:p>
+          <a:p>
+            <a:r>
+              <a:rPr lang="ko-KR" altLang="en-US" dirty="0">
+                <a:solidFill>
+                  <a:schemeClr val="tx1"/>
+                </a:solidFill>
+              </a:rPr>
+              <a:t>학습내용</a:t>
+            </a:r>
+            <a:endParaRPr lang="en-US" altLang="ko-KR" dirty="0">
+              <a:solidFill>
+                <a:schemeClr val="tx1"/>
+              </a:solidFill>
+            </a:endParaRPr>
+          </a:p>
+          <a:p>
+            <a:endParaRPr lang="en-US" altLang="ko-KR" dirty="0">
+              <a:solidFill>
+                <a:schemeClr val="tx1"/>
+              </a:solidFill>
+            </a:endParaRPr>
+          </a:p>
+          <a:p>
+            <a:r>
+              <a:rPr lang="en-US" altLang="ko-KR" dirty="0">
+                <a:solidFill>
+                  <a:schemeClr val="tx1"/>
+                </a:solidFill>
+              </a:rPr>
+              <a:t>-   </a:t>
+            </a:r>
+            <a:r>
+              <a:rPr lang="ko-KR" altLang="en-US" dirty="0" err="1">
+                <a:solidFill>
+                  <a:schemeClr val="tx1"/>
+                </a:solidFill>
+              </a:rPr>
+              <a:t>퍼셉트론</a:t>
+            </a:r>
+            <a:endParaRPr lang="en-US" altLang="ko-KR" dirty="0">
+              <a:solidFill>
+                <a:schemeClr val="tx1"/>
+              </a:solidFill>
+            </a:endParaRPr>
+          </a:p>
+          <a:p>
+            <a:endParaRPr lang="en-US" altLang="ko-KR" dirty="0">
+              <a:solidFill>
+                <a:schemeClr val="tx1"/>
+              </a:solidFill>
+            </a:endParaRPr>
+          </a:p>
+          <a:p>
+            <a:r>
+              <a:rPr lang="en-US" altLang="ko-KR" dirty="0">
+                <a:solidFill>
+                  <a:schemeClr val="tx1"/>
+                </a:solidFill>
+              </a:rPr>
+              <a:t>-   </a:t>
+            </a:r>
+            <a:r>
+              <a:rPr lang="ko-KR" altLang="en-US" dirty="0">
+                <a:solidFill>
+                  <a:schemeClr val="tx1"/>
+                </a:solidFill>
+              </a:rPr>
+              <a:t>신경망 </a:t>
+            </a:r>
+            <a:r>
+              <a:rPr lang="en-US" altLang="ko-KR" dirty="0">
+                <a:solidFill>
+                  <a:schemeClr val="tx1"/>
+                </a:solidFill>
+              </a:rPr>
+              <a:t>/ </a:t>
+            </a:r>
+            <a:r>
+              <a:rPr lang="ko-KR" altLang="en-US" dirty="0">
+                <a:solidFill>
+                  <a:schemeClr val="tx1"/>
+                </a:solidFill>
+              </a:rPr>
+              <a:t>학습</a:t>
+            </a:r>
+            <a:endParaRPr lang="en-US" altLang="ko-KR" dirty="0">
+              <a:solidFill>
+                <a:schemeClr val="tx1"/>
+              </a:solidFill>
+            </a:endParaRPr>
+          </a:p>
+          <a:p>
+            <a:pPr marL="285750" indent="-285750">
+              <a:buFontTx/>
+              <a:buChar char="-"/>
+            </a:pPr>
+            <a:endParaRPr lang="en-US" altLang="ko-KR" dirty="0">
+              <a:solidFill>
+                <a:schemeClr val="tx1"/>
+              </a:solidFill>
+            </a:endParaRPr>
+          </a:p>
+          <a:p>
+            <a:pPr marL="285750" indent="-285750">
+              <a:buFontTx/>
+              <a:buChar char="-"/>
+            </a:pPr>
+            <a:r>
+              <a:rPr lang="ko-KR" altLang="en-US" dirty="0" err="1">
+                <a:solidFill>
+                  <a:schemeClr val="tx1"/>
+                </a:solidFill>
+              </a:rPr>
+              <a:t>오차역전파</a:t>
+            </a:r>
+            <a:endParaRPr lang="en-US" altLang="ko-KR" dirty="0">
+              <a:solidFill>
+                <a:schemeClr val="tx1"/>
+              </a:solidFill>
+            </a:endParaRPr>
+          </a:p>
+          <a:p>
+            <a:pPr marL="285750" indent="-285750">
+              <a:buFontTx/>
+              <a:buChar char="-"/>
+            </a:pPr>
+            <a:endParaRPr lang="en-US" altLang="ko-KR" dirty="0">
+              <a:solidFill>
+                <a:schemeClr val="tx1"/>
+              </a:solidFill>
+            </a:endParaRPr>
+          </a:p>
+          <a:p>
+            <a:pPr marL="285750" indent="-285750">
+              <a:buFontTx/>
+              <a:buChar char="-"/>
+            </a:pPr>
+            <a:r>
+              <a:rPr lang="en-US" altLang="ko-KR" dirty="0">
+                <a:solidFill>
+                  <a:schemeClr val="tx1"/>
+                </a:solidFill>
+              </a:rPr>
+              <a:t>CNN</a:t>
+            </a:r>
+          </a:p>
+          <a:p>
+            <a:pPr algn="ctr"/>
+            <a:endParaRPr lang="ko-KR" altLang="en-US" dirty="0">
+              <a:solidFill>
+                <a:schemeClr val="tx1"/>
               </a:solidFill>
             </a:endParaRPr>
           </a:p>
@@ -3412,7 +3695,18 @@
                 </a:blipFill>
                 <a:latin typeface="+mn-ea"/>
               </a:rPr>
-              <a:t> 및 계획 요약</a:t>
+              <a:t> 및 </a:t>
+            </a:r>
+            <a:r>
+              <a:rPr lang="ko-KR" altLang="en-US" sz="3200" b="1" spc="-50" dirty="0" smtClean="0">
+                <a:blipFill dpi="0" rotWithShape="1">
+                  <a:blip r:embed="rId3"/>
+                  <a:srcRect/>
+                  <a:tile tx="0" ty="0" sx="20000" sy="20000" flip="none" algn="tl"/>
+                </a:blipFill>
+                <a:latin typeface="+mn-ea"/>
+              </a:rPr>
+              <a:t>계획</a:t>
             </a:r>
             <a:endParaRPr lang="en-US" altLang="ko-KR" sz="3200" b="1" spc="-50" dirty="0">
               <a:blipFill dpi="0" rotWithShape="1">
@@ -3449,7 +3743,7 @@
           <a:p>
             <a:pPr algn="r"/>
             <a:r>
-              <a:rPr lang="en-US" altLang="ko-KR" dirty="0" smtClean="0">
+              <a:rPr lang="en-US" altLang="ko-KR" dirty="0">
                 <a:solidFill>
                   <a:schemeClr val="tx1">
                     <a:lumMod val="65000"/>
@@ -3457,7 +3751,7 @@
                   </a:schemeClr>
                 </a:solidFill>
               </a:rPr>
-              <a:t>2</a:t>
+              <a:t>3</a:t>
             </a:r>
             <a:endParaRPr lang="ko-KR" altLang="en-US" dirty="0">
               <a:solidFill>
@@ -3470,65 +3764,46 @@
           </a:p>
         </p:txBody>
       </p:sp>
-    </p:spTree>
-    <p:extLst>
-      <p:ext uri="{BB962C8B-B14F-4D97-AF65-F5344CB8AC3E}">
-        <p14:creationId xmlns:p14="http://schemas.microsoft.com/office/powerpoint/2010/main" val="2500950715"/>
-      </p:ext>
-    </p:extLst>
-  </p:cSld>
-  <p:clrMapOvr>
-    <a:masterClrMapping/>
-  </p:clrMapOvr>
-  <mc:AlternateContent xmlns:mc="http://schemas.openxmlformats.org/markup-compatibility/2006" xmlns:p14="http://schemas.microsoft.com/office/powerpoint/2010/main">
-    <mc:Choice Requires="p14">
-      <p:transition spd="med" p14:dur="700">
-        <p:fade/>
-      </p:transition>
-    </mc:Choice>
-    <mc:Fallback xmlns="">
-      <p:transition spd="med">
-        <p:fade/>
-      </p:transition>
-    </mc:Fallback>
-  </mc:AlternateContent>
-  <p:timing>
-    <p:tnLst>
-      <p:par>
-        <p:cTn id="1" dur="indefinite" restart="never" nodeType="tmRoot"/>
-      </p:par>
-    </p:tnLst>
-  </p:timing>
-</p:sld>
-</file>
-
-<file path=ppt/slides/slide5.xml><?xml version="1.0" encoding="utf-8"?>
-<p:sld xmlns:a="http://schemas.openxmlformats.org/drawingml/2006/main" xmlns:r="http://schemas.openxmlformats.org/officeDocument/2006/relationships" xmlns:p="http://schemas.openxmlformats.org/presentationml/2006/main">
-  <p:cSld>
-    <p:spTree>
-      <p:nvGrpSpPr>
-        <p:cNvPr id="1" name=""/>
-        <p:cNvGrpSpPr/>
-        <p:nvPr/>
-      </p:nvGrpSpPr>
-      <p:grpSpPr>
-        <a:xfrm>
-          <a:off x="0" y="0"/>
-          <a:ext cx="0" cy="0"/>
-          <a:chOff x="0" y="0"/>
-          <a:chExt cx="0" cy="0"/>
-        </a:xfrm>
-      </p:grpSpPr>
+      <p:pic>
+        <p:nvPicPr>
+          <p:cNvPr id="2" name="그림 1"/>
+          <p:cNvPicPr>
+            <a:picLocks noChangeAspect="1"/>
+          </p:cNvPicPr>
+          <p:nvPr/>
+        </p:nvPicPr>
+        <p:blipFill>
+          <a:blip r:embed="rId4">
+            <a:extLst>
+              <a:ext uri="{28A0092B-C50C-407E-A947-70E740481C1C}">
+                <a14:useLocalDpi xmlns:a14="http://schemas.microsoft.com/office/drawing/2010/main" val="0"/>
+              </a:ext>
+            </a:extLst>
+          </a:blip>
+          <a:stretch>
+            <a:fillRect/>
+          </a:stretch>
+        </p:blipFill>
+        <p:spPr>
+          <a:xfrm>
+            <a:off x="503548" y="1628800"/>
+            <a:ext cx="3392884" cy="4351374"/>
+          </a:xfrm>
+          <a:prstGeom prst="rect">
+            <a:avLst/>
+          </a:prstGeom>
+        </p:spPr>
+      </p:pic>
       <p:sp>
         <p:nvSpPr>
-          <p:cNvPr id="153" name="TextBox 152"/>
+          <p:cNvPr id="3" name="TextBox 2"/>
           <p:cNvSpPr txBox="1"/>
           <p:nvPr/>
         </p:nvSpPr>
         <p:spPr>
           <a:xfrm>
-            <a:off x="-6" y="2573"/>
-            <a:ext cx="6992989" cy="807324"/>
+            <a:off x="4575392" y="1633964"/>
+            <a:ext cx="3441968" cy="400110"/>
           </a:xfrm>
           <a:prstGeom prst="rect">
             <a:avLst/>
@@ -3536,84 +3811,244 @@
           <a:noFill/>
         </p:spPr>
         <p:txBody>
-          <a:bodyPr wrap="none" lIns="540000" tIns="180000" rIns="0" bIns="0" rtlCol="0" anchor="ctr">
-            <a:noAutofit/>
+          <a:bodyPr wrap="none" rtlCol="0">
+            <a:spAutoFit/>
           </a:bodyPr>
           <a:lstStyle/>
           <a:p>
             <a:r>
-              <a:rPr lang="ko-KR" altLang="en-US" sz="3200" b="1" spc="-50" dirty="0" err="1" smtClean="0">
-                <a:blipFill dpi="0" rotWithShape="1">
-                  <a:blip r:embed="rId3"/>
-                  <a:srcRect/>
-                  <a:tile tx="0" ty="0" sx="20000" sy="20000" flip="none" algn="tl"/>
-                </a:blipFill>
-                <a:latin typeface="+mn-ea"/>
-              </a:rPr>
-              <a:t>진행현황</a:t>
-            </a:r>
-            <a:r>
-              <a:rPr lang="ko-KR" altLang="en-US" sz="3200" b="1" spc="-50" dirty="0" smtClean="0">
-                <a:blipFill dpi="0" rotWithShape="1">
-                  <a:blip r:embed="rId3"/>
-                  <a:srcRect/>
-                  <a:tile tx="0" ty="0" sx="20000" sy="20000" flip="none" algn="tl"/>
-                </a:blipFill>
-                <a:latin typeface="+mn-ea"/>
-              </a:rPr>
-              <a:t> 및 계획 요약</a:t>
-            </a:r>
-            <a:endParaRPr lang="en-US" altLang="ko-KR" sz="3200" b="1" spc="-50" dirty="0">
-              <a:blipFill dpi="0" rotWithShape="1">
-                <a:blip r:embed="rId3"/>
-                <a:srcRect/>
-                <a:tile tx="0" ty="0" sx="20000" sy="20000" flip="none" algn="tl"/>
-              </a:blipFill>
-              <a:latin typeface="+mn-ea"/>
-            </a:endParaRPr>
+              <a:rPr lang="ko-KR" altLang="en-US" sz="2000" b="1" dirty="0" smtClean="0"/>
+              <a:t>밑바닥부터 시작하는 </a:t>
+            </a:r>
+            <a:r>
+              <a:rPr lang="ko-KR" altLang="en-US" sz="2000" b="1" dirty="0" err="1" smtClean="0"/>
+              <a:t>딥러닝</a:t>
+            </a:r>
+            <a:endParaRPr lang="ko-KR" altLang="en-US" sz="2000" b="1" dirty="0"/>
           </a:p>
         </p:txBody>
       </p:sp>
       <p:sp>
         <p:nvSpPr>
-          <p:cNvPr id="10" name="TextBox 9"/>
-          <p:cNvSpPr txBox="1"/>
+          <p:cNvPr id="4" name="직사각형 3"/>
+          <p:cNvSpPr/>
           <p:nvPr/>
         </p:nvSpPr>
         <p:spPr>
           <a:xfrm>
-            <a:off x="8424428" y="6417332"/>
-            <a:ext cx="719572" cy="369332"/>
+            <a:off x="4575392" y="2384884"/>
+            <a:ext cx="3960440" cy="3456384"/>
           </a:xfrm>
           <a:prstGeom prst="rect">
             <a:avLst/>
           </a:prstGeom>
-          <a:noFill/>
+          <a:solidFill>
+            <a:schemeClr val="bg1"/>
+          </a:solidFill>
         </p:spPr>
+        <p:style>
+          <a:lnRef idx="2">
+            <a:schemeClr val="accent1">
+              <a:shade val="50000"/>
+            </a:schemeClr>
+          </a:lnRef>
+          <a:fillRef idx="1">
+            <a:schemeClr val="accent1"/>
+          </a:fillRef>
+          <a:effectRef idx="0">
+            <a:schemeClr val="accent1"/>
+          </a:effectRef>
+          <a:fontRef idx="minor">
+            <a:schemeClr val="lt1"/>
+          </a:fontRef>
+        </p:style>
         <p:txBody>
-          <a:bodyPr wrap="square" rtlCol="0">
-            <a:spAutoFit/>
-          </a:bodyPr>
+          <a:bodyPr rtlCol="0" anchor="ctr"/>
           <a:lstStyle/>
           <a:p>
-            <a:pPr algn="r"/>
-            <a:r>
-              <a:rPr lang="en-US" altLang="ko-KR" dirty="0" smtClean="0">
+            <a:r>
+              <a:rPr lang="ko-KR" altLang="en-US" dirty="0">
                 <a:solidFill>
-                  <a:schemeClr val="tx1">
-                    <a:lumMod val="65000"/>
-                    <a:lumOff val="35000"/>
-                  </a:schemeClr>
+                  <a:schemeClr val="tx1"/>
                 </a:solidFill>
               </a:rPr>
-              <a:t>2</a:t>
-            </a:r>
+              <a:t>소요기간 </a:t>
+            </a:r>
+            <a:r>
+              <a:rPr lang="en-US" altLang="ko-KR" dirty="0">
+                <a:solidFill>
+                  <a:schemeClr val="tx1"/>
+                </a:solidFill>
+              </a:rPr>
+              <a:t>: </a:t>
+            </a:r>
+            <a:r>
+              <a:rPr lang="ko-KR" altLang="en-US" dirty="0">
+                <a:solidFill>
+                  <a:schemeClr val="tx1"/>
+                </a:solidFill>
+              </a:rPr>
+              <a:t>한달</a:t>
+            </a:r>
+          </a:p>
+          <a:p>
+            <a:endParaRPr lang="en-US" altLang="ko-KR" dirty="0">
+              <a:solidFill>
+                <a:schemeClr val="tx1"/>
+              </a:solidFill>
+            </a:endParaRPr>
+          </a:p>
+          <a:p>
+            <a:r>
+              <a:rPr lang="ko-KR" altLang="en-US" dirty="0">
+                <a:solidFill>
+                  <a:schemeClr val="tx1"/>
+                </a:solidFill>
+              </a:rPr>
+              <a:t>학습내용</a:t>
+            </a:r>
+            <a:endParaRPr lang="en-US" altLang="ko-KR" dirty="0">
+              <a:solidFill>
+                <a:schemeClr val="tx1"/>
+              </a:solidFill>
+            </a:endParaRPr>
+          </a:p>
+          <a:p>
+            <a:endParaRPr lang="en-US" altLang="ko-KR" dirty="0">
+              <a:solidFill>
+                <a:schemeClr val="tx1"/>
+              </a:solidFill>
+            </a:endParaRPr>
+          </a:p>
+          <a:p>
+            <a:r>
+              <a:rPr lang="en-US" altLang="ko-KR" dirty="0">
+                <a:solidFill>
+                  <a:schemeClr val="tx1"/>
+                </a:solidFill>
+              </a:rPr>
+              <a:t>-   </a:t>
+            </a:r>
+            <a:r>
+              <a:rPr lang="ko-KR" altLang="en-US" dirty="0" err="1">
+                <a:solidFill>
+                  <a:schemeClr val="tx1"/>
+                </a:solidFill>
+              </a:rPr>
+              <a:t>퍼셉트론</a:t>
+            </a:r>
+            <a:endParaRPr lang="en-US" altLang="ko-KR" dirty="0">
+              <a:solidFill>
+                <a:schemeClr val="tx1"/>
+              </a:solidFill>
+            </a:endParaRPr>
+          </a:p>
+          <a:p>
+            <a:endParaRPr lang="en-US" altLang="ko-KR" dirty="0">
+              <a:solidFill>
+                <a:schemeClr val="tx1"/>
+              </a:solidFill>
+            </a:endParaRPr>
+          </a:p>
+          <a:p>
+            <a:r>
+              <a:rPr lang="en-US" altLang="ko-KR" dirty="0">
+                <a:solidFill>
+                  <a:schemeClr val="tx1"/>
+                </a:solidFill>
+              </a:rPr>
+              <a:t>-   </a:t>
+            </a:r>
+            <a:r>
+              <a:rPr lang="ko-KR" altLang="en-US" dirty="0">
+                <a:solidFill>
+                  <a:schemeClr val="tx1"/>
+                </a:solidFill>
+              </a:rPr>
+              <a:t>신경망 </a:t>
+            </a:r>
+            <a:r>
+              <a:rPr lang="en-US" altLang="ko-KR" dirty="0">
+                <a:solidFill>
+                  <a:schemeClr val="tx1"/>
+                </a:solidFill>
+              </a:rPr>
+              <a:t>/ </a:t>
+            </a:r>
+            <a:r>
+              <a:rPr lang="ko-KR" altLang="en-US" dirty="0">
+                <a:solidFill>
+                  <a:schemeClr val="tx1"/>
+                </a:solidFill>
+              </a:rPr>
+              <a:t>학습</a:t>
+            </a:r>
+            <a:endParaRPr lang="en-US" altLang="ko-KR" dirty="0">
+              <a:solidFill>
+                <a:schemeClr val="tx1"/>
+              </a:solidFill>
+            </a:endParaRPr>
+          </a:p>
+          <a:p>
+            <a:pPr marL="285750" indent="-285750">
+              <a:buFontTx/>
+              <a:buChar char="-"/>
+            </a:pPr>
+            <a:endParaRPr lang="en-US" altLang="ko-KR" dirty="0">
+              <a:solidFill>
+                <a:schemeClr val="tx1"/>
+              </a:solidFill>
+            </a:endParaRPr>
+          </a:p>
+          <a:p>
+            <a:pPr marL="285750" indent="-285750">
+              <a:buFontTx/>
+              <a:buChar char="-"/>
+            </a:pPr>
+            <a:r>
+              <a:rPr lang="ko-KR" altLang="en-US" dirty="0" err="1">
+                <a:solidFill>
+                  <a:schemeClr val="tx1"/>
+                </a:solidFill>
+              </a:rPr>
+              <a:t>오차역전파</a:t>
+            </a:r>
+            <a:endParaRPr lang="en-US" altLang="ko-KR" dirty="0">
+              <a:solidFill>
+                <a:schemeClr val="tx1"/>
+              </a:solidFill>
+            </a:endParaRPr>
+          </a:p>
+          <a:p>
+            <a:pPr marL="285750" indent="-285750">
+              <a:buFontTx/>
+              <a:buChar char="-"/>
+            </a:pPr>
+            <a:endParaRPr lang="en-US" altLang="ko-KR" dirty="0">
+              <a:solidFill>
+                <a:schemeClr val="tx1"/>
+              </a:solidFill>
+            </a:endParaRPr>
+          </a:p>
+          <a:p>
+            <a:pPr marL="285750" indent="-285750">
+              <a:buFontTx/>
+              <a:buChar char="-"/>
+            </a:pPr>
+            <a:r>
+              <a:rPr lang="en-US" altLang="ko-KR" dirty="0">
+                <a:solidFill>
+                  <a:schemeClr val="tx1"/>
+                </a:solidFill>
+              </a:rPr>
+              <a:t>CNN</a:t>
+            </a:r>
+          </a:p>
+          <a:p>
+            <a:pPr algn="ctr"/>
             <a:endParaRPr lang="ko-KR" altLang="en-US" dirty="0">
               <a:solidFill>
-                <a:schemeClr val="tx1">
-                  <a:lumMod val="65000"/>
-                  <a:lumOff val="35000"/>
-                </a:schemeClr>
+                <a:schemeClr val="tx1"/>
               </a:solidFill>
             </a:endParaRPr>
           </a:p>
@@ -3622,156 +4057,7 @@
     </p:spTree>
     <p:extLst>
       <p:ext uri="{BB962C8B-B14F-4D97-AF65-F5344CB8AC3E}">
-        <p14:creationId xmlns:p14="http://schemas.microsoft.com/office/powerpoint/2010/main" val="2951788595"/>
-      </p:ext>
-    </p:extLst>
-  </p:cSld>
-  <p:clrMapOvr>
-    <a:masterClrMapping/>
-  </p:clrMapOvr>
-  <mc:AlternateContent xmlns:mc="http://schemas.openxmlformats.org/markup-compatibility/2006" xmlns:p14="http://schemas.microsoft.com/office/powerpoint/2010/main">
-    <mc:Choice Requires="p14">
-      <p:transition spd="med" p14:dur="700">
-        <p:fade/>
-      </p:transition>
-    </mc:Choice>
-    <mc:Fallback xmlns="">
-      <p:transition spd="med">
-        <p:fade/>
-      </p:transition>
-    </mc:Fallback>
-  </mc:AlternateContent>
-  <p:timing>
-    <p:tnLst>
-      <p:par>
-        <p:cTn id="1" dur="indefinite" restart="never" nodeType="tmRoot"/>
-      </p:par>
-    </p:tnLst>
-  </p:timing>
-</p:sld>
-</file>
-
-<file path=ppt/slides/slide6.xml><?xml version="1.0" encoding="utf-8"?>
-<p:sld xmlns:a="http://schemas.openxmlformats.org/drawingml/2006/main" xmlns:r="http://schemas.openxmlformats.org/officeDocument/2006/relationships" xmlns:p="http://schemas.openxmlformats.org/presentationml/2006/main">
-  <p:cSld>
-    <p:spTree>
-      <p:nvGrpSpPr>
-        <p:cNvPr id="1" name=""/>
-        <p:cNvGrpSpPr/>
-        <p:nvPr/>
-      </p:nvGrpSpPr>
-      <p:grpSpPr>
-        <a:xfrm>
-          <a:off x="0" y="0"/>
-          <a:ext cx="0" cy="0"/>
-          <a:chOff x="0" y="0"/>
-          <a:chExt cx="0" cy="0"/>
-        </a:xfrm>
-      </p:grpSpPr>
-      <p:sp>
-        <p:nvSpPr>
-          <p:cNvPr id="153" name="TextBox 152"/>
-          <p:cNvSpPr txBox="1"/>
-          <p:nvPr/>
-        </p:nvSpPr>
-        <p:spPr>
-          <a:xfrm>
-            <a:off x="-6" y="2573"/>
-            <a:ext cx="6992989" cy="807324"/>
-          </a:xfrm>
-          <a:prstGeom prst="rect">
-            <a:avLst/>
-          </a:prstGeom>
-          <a:noFill/>
-        </p:spPr>
-        <p:txBody>
-          <a:bodyPr wrap="none" lIns="540000" tIns="180000" rIns="0" bIns="0" rtlCol="0" anchor="ctr">
-            <a:noAutofit/>
-          </a:bodyPr>
-          <a:lstStyle/>
-          <a:p>
-            <a:r>
-              <a:rPr lang="ko-KR" altLang="en-US" sz="3200" b="1" spc="-50" dirty="0" err="1" smtClean="0">
-                <a:blipFill dpi="0" rotWithShape="1">
-                  <a:blip r:embed="rId3"/>
-                  <a:srcRect/>
-                  <a:tile tx="0" ty="0" sx="20000" sy="20000" flip="none" algn="tl"/>
-                </a:blipFill>
-                <a:latin typeface="+mn-ea"/>
-              </a:rPr>
-              <a:t>진행현황</a:t>
-            </a:r>
-            <a:r>
-              <a:rPr lang="ko-KR" altLang="en-US" sz="3200" b="1" spc="-50" dirty="0" smtClean="0">
-                <a:blipFill dpi="0" rotWithShape="1">
-                  <a:blip r:embed="rId3"/>
-                  <a:srcRect/>
-                  <a:tile tx="0" ty="0" sx="20000" sy="20000" flip="none" algn="tl"/>
-                </a:blipFill>
-                <a:latin typeface="+mn-ea"/>
-              </a:rPr>
-              <a:t> 및 계획 요약</a:t>
-            </a:r>
-            <a:endParaRPr lang="en-US" altLang="ko-KR" sz="3200" b="1" spc="-50" dirty="0">
-              <a:blipFill dpi="0" rotWithShape="1">
-                <a:blip r:embed="rId3"/>
-                <a:srcRect/>
-                <a:tile tx="0" ty="0" sx="20000" sy="20000" flip="none" algn="tl"/>
-              </a:blipFill>
-              <a:latin typeface="+mn-ea"/>
-            </a:endParaRPr>
-          </a:p>
-        </p:txBody>
-      </p:sp>
-      <p:sp>
-        <p:nvSpPr>
-          <p:cNvPr id="10" name="TextBox 9"/>
-          <p:cNvSpPr txBox="1"/>
-          <p:nvPr/>
-        </p:nvSpPr>
-        <p:spPr>
-          <a:xfrm>
-            <a:off x="8424428" y="6417332"/>
-            <a:ext cx="719572" cy="369332"/>
-          </a:xfrm>
-          <a:prstGeom prst="rect">
-            <a:avLst/>
-          </a:prstGeom>
-          <a:noFill/>
-        </p:spPr>
-        <p:txBody>
-          <a:bodyPr wrap="square" rtlCol="0">
-            <a:spAutoFit/>
-          </a:bodyPr>
-          <a:lstStyle/>
-          <a:p>
-            <a:pPr algn="r"/>
-            <a:r>
-              <a:rPr lang="en-US" altLang="ko-KR" dirty="0" smtClean="0">
-                <a:solidFill>
-                  <a:schemeClr val="tx1">
-                    <a:lumMod val="65000"/>
-                    <a:lumOff val="35000"/>
-                  </a:schemeClr>
-                </a:solidFill>
-              </a:rPr>
-              <a:t>2</a:t>
-            </a:r>
-            <a:endParaRPr lang="ko-KR" altLang="en-US" dirty="0">
-              <a:solidFill>
-                <a:schemeClr val="tx1">
-                  <a:lumMod val="65000"/>
-                  <a:lumOff val="35000"/>
-                </a:schemeClr>
-              </a:solidFill>
-            </a:endParaRPr>
-          </a:p>
-        </p:txBody>
-      </p:sp>
-    </p:spTree>
-    <p:extLst>
-      <p:ext uri="{BB962C8B-B14F-4D97-AF65-F5344CB8AC3E}">
-        <p14:creationId xmlns:p14="http://schemas.microsoft.com/office/powerpoint/2010/main" val="1166617710"/>
+        <p14:creationId xmlns:p14="http://schemas.microsoft.com/office/powerpoint/2010/main" val="515222590"/>
       </p:ext>
     </p:extLst>
   </p:cSld>
